--- a/SAA2023_Limits_of_Inference.pptx
+++ b/SAA2023_Limits_of_Inference.pptx
@@ -142,13 +142,37 @@
 <file path=ppt/revisionInfo.xml><?xml version="1.0" encoding="utf-8"?>
 <p1510:revInfo xmlns:a="http://schemas.openxmlformats.org/drawingml/2006/main" xmlns:r="http://schemas.openxmlformats.org/officeDocument/2006/relationships" xmlns:p1510="http://schemas.microsoft.com/office/powerpoint/2015/10/main">
   <p1510:revLst>
-    <p1510:client id="{3452FA3E-CB63-4819-8887-5D7217B65691}" v="48" dt="2023-03-31T07:09:02.490"/>
+    <p1510:client id="{BCCACD70-7C05-4893-BABE-97B2E61D0002}" v="1" dt="2024-10-13T22:41:41.627"/>
   </p1510:revLst>
 </p1510:revInfo>
 </file>
 
 <file path=ppt/changesInfos/changesInfo1.xml><?xml version="1.0" encoding="utf-8"?>
 <pc:chgInfo xmlns:a="http://schemas.openxmlformats.org/drawingml/2006/main" xmlns:r="http://schemas.openxmlformats.org/officeDocument/2006/relationships" xmlns:ac="http://schemas.microsoft.com/office/drawing/2013/main/command" xmlns:pc="http://schemas.microsoft.com/office/powerpoint/2013/main/command">
+  <pc:docChgLst>
+    <pc:chgData name="Scott Cardinal" userId="S::scott.cardinal@nysed.gov::c399c26d-7fe4-4be3-a36a-7befb65ad026" providerId="AD" clId="Web-{BCCACD70-7C05-4893-BABE-97B2E61D0002}"/>
+    <pc:docChg chg="modSld">
+      <pc:chgData name="Scott Cardinal" userId="S::scott.cardinal@nysed.gov::c399c26d-7fe4-4be3-a36a-7befb65ad026" providerId="AD" clId="Web-{BCCACD70-7C05-4893-BABE-97B2E61D0002}" dt="2024-10-13T22:41:41.627" v="0"/>
+      <pc:docMkLst>
+        <pc:docMk/>
+      </pc:docMkLst>
+      <pc:sldChg chg="delSp">
+        <pc:chgData name="Scott Cardinal" userId="S::scott.cardinal@nysed.gov::c399c26d-7fe4-4be3-a36a-7befb65ad026" providerId="AD" clId="Web-{BCCACD70-7C05-4893-BABE-97B2E61D0002}" dt="2024-10-13T22:41:41.627" v="0"/>
+        <pc:sldMkLst>
+          <pc:docMk/>
+          <pc:sldMk cId="1495975685" sldId="256"/>
+        </pc:sldMkLst>
+        <pc:graphicFrameChg chg="del">
+          <ac:chgData name="Scott Cardinal" userId="S::scott.cardinal@nysed.gov::c399c26d-7fe4-4be3-a36a-7befb65ad026" providerId="AD" clId="Web-{BCCACD70-7C05-4893-BABE-97B2E61D0002}" dt="2024-10-13T22:41:41.627" v="0"/>
+          <ac:graphicFrameMkLst>
+            <pc:docMk/>
+            <pc:sldMk cId="1495975685" sldId="256"/>
+            <ac:graphicFrameMk id="4" creationId="{939FA507-78DD-9BE2-7611-567F23ABB719}"/>
+          </ac:graphicFrameMkLst>
+        </pc:graphicFrameChg>
+      </pc:sldChg>
+    </pc:docChg>
+  </pc:docChgLst>
   <pc:docChgLst>
     <pc:chgData name="Scott Cardinal" userId="c399c26d-7fe4-4be3-a36a-7befb65ad026" providerId="ADAL" clId="{3452FA3E-CB63-4819-8887-5D7217B65691}"/>
     <pc:docChg chg="undo custSel addSld delSld modSld sldOrd">
@@ -1291,7 +1315,7 @@
           <a:p>
             <a:fld id="{378E7FC4-0718-48D4-A99A-E99736A4C4E7}" type="datetimeFigureOut">
               <a:rPr lang="en-US" smtClean="0"/>
-              <a:t>3/30/2023</a:t>
+              <a:t>10/13/2024</a:t>
             </a:fld>
             <a:endParaRPr lang="en-US"/>
           </a:p>
@@ -3278,7 +3302,7 @@
           <a:p>
             <a:fld id="{6A7A9ADB-E952-44A3-9D43-51E5A4A4D3F5}" type="datetimeFigureOut">
               <a:rPr lang="en-US" smtClean="0"/>
-              <a:t>3/30/2023</a:t>
+              <a:t>10/13/2024</a:t>
             </a:fld>
             <a:endParaRPr lang="en-US"/>
           </a:p>
@@ -3446,7 +3470,7 @@
           <a:p>
             <a:fld id="{6A7A9ADB-E952-44A3-9D43-51E5A4A4D3F5}" type="datetimeFigureOut">
               <a:rPr lang="en-US" smtClean="0"/>
-              <a:t>3/30/2023</a:t>
+              <a:t>10/13/2024</a:t>
             </a:fld>
             <a:endParaRPr lang="en-US"/>
           </a:p>
@@ -3624,7 +3648,7 @@
           <a:p>
             <a:fld id="{6A7A9ADB-E952-44A3-9D43-51E5A4A4D3F5}" type="datetimeFigureOut">
               <a:rPr lang="en-US" smtClean="0"/>
-              <a:t>3/30/2023</a:t>
+              <a:t>10/13/2024</a:t>
             </a:fld>
             <a:endParaRPr lang="en-US"/>
           </a:p>
@@ -3792,7 +3816,7 @@
           <a:p>
             <a:fld id="{6A7A9ADB-E952-44A3-9D43-51E5A4A4D3F5}" type="datetimeFigureOut">
               <a:rPr lang="en-US" smtClean="0"/>
-              <a:t>3/30/2023</a:t>
+              <a:t>10/13/2024</a:t>
             </a:fld>
             <a:endParaRPr lang="en-US"/>
           </a:p>
@@ -4037,7 +4061,7 @@
           <a:p>
             <a:fld id="{6A7A9ADB-E952-44A3-9D43-51E5A4A4D3F5}" type="datetimeFigureOut">
               <a:rPr lang="en-US" smtClean="0"/>
-              <a:t>3/30/2023</a:t>
+              <a:t>10/13/2024</a:t>
             </a:fld>
             <a:endParaRPr lang="en-US"/>
           </a:p>
@@ -4266,7 +4290,7 @@
           <a:p>
             <a:fld id="{6A7A9ADB-E952-44A3-9D43-51E5A4A4D3F5}" type="datetimeFigureOut">
               <a:rPr lang="en-US" smtClean="0"/>
-              <a:t>3/30/2023</a:t>
+              <a:t>10/13/2024</a:t>
             </a:fld>
             <a:endParaRPr lang="en-US"/>
           </a:p>
@@ -4630,7 +4654,7 @@
           <a:p>
             <a:fld id="{6A7A9ADB-E952-44A3-9D43-51E5A4A4D3F5}" type="datetimeFigureOut">
               <a:rPr lang="en-US" smtClean="0"/>
-              <a:t>3/30/2023</a:t>
+              <a:t>10/13/2024</a:t>
             </a:fld>
             <a:endParaRPr lang="en-US"/>
           </a:p>
@@ -4747,7 +4771,7 @@
           <a:p>
             <a:fld id="{6A7A9ADB-E952-44A3-9D43-51E5A4A4D3F5}" type="datetimeFigureOut">
               <a:rPr lang="en-US" smtClean="0"/>
-              <a:t>3/30/2023</a:t>
+              <a:t>10/13/2024</a:t>
             </a:fld>
             <a:endParaRPr lang="en-US"/>
           </a:p>
@@ -4842,7 +4866,7 @@
           <a:p>
             <a:fld id="{6A7A9ADB-E952-44A3-9D43-51E5A4A4D3F5}" type="datetimeFigureOut">
               <a:rPr lang="en-US" smtClean="0"/>
-              <a:t>3/30/2023</a:t>
+              <a:t>10/13/2024</a:t>
             </a:fld>
             <a:endParaRPr lang="en-US"/>
           </a:p>
@@ -5117,7 +5141,7 @@
           <a:p>
             <a:fld id="{6A7A9ADB-E952-44A3-9D43-51E5A4A4D3F5}" type="datetimeFigureOut">
               <a:rPr lang="en-US" smtClean="0"/>
-              <a:t>3/30/2023</a:t>
+              <a:t>10/13/2024</a:t>
             </a:fld>
             <a:endParaRPr lang="en-US"/>
           </a:p>
@@ -5369,7 +5393,7 @@
           <a:p>
             <a:fld id="{6A7A9ADB-E952-44A3-9D43-51E5A4A4D3F5}" type="datetimeFigureOut">
               <a:rPr lang="en-US" smtClean="0"/>
-              <a:t>3/30/2023</a:t>
+              <a:t>10/13/2024</a:t>
             </a:fld>
             <a:endParaRPr lang="en-US"/>
           </a:p>
@@ -5580,7 +5604,7 @@
           <a:p>
             <a:fld id="{6A7A9ADB-E952-44A3-9D43-51E5A4A4D3F5}" type="datetimeFigureOut">
               <a:rPr lang="en-US" smtClean="0"/>
-              <a:t>3/30/2023</a:t>
+              <a:t>10/13/2024</a:t>
             </a:fld>
             <a:endParaRPr lang="en-US"/>
           </a:p>
@@ -18879,6 +18903,15 @@
 </file>
 
 <file path=customXml/item1.xml><?xml version="1.0" encoding="utf-8"?>
+<?mso-contentType ?>
+<FormTemplates xmlns="http://schemas.microsoft.com/sharepoint/v3/contenttype/forms">
+  <Display>DocumentLibraryForm</Display>
+  <Edit>DocumentLibraryForm</Edit>
+  <New>DocumentLibraryForm</New>
+</FormTemplates>
+</file>
+
+<file path=customXml/item2.xml><?xml version="1.0" encoding="utf-8"?>
 <ct:contentTypeSchema xmlns:ct="http://schemas.microsoft.com/office/2006/metadata/contentType" xmlns:ma="http://schemas.microsoft.com/office/2006/metadata/properties/metaAttributes" ct:_="" ma:_="" ma:contentTypeName="Document" ma:contentTypeID="0x01010083892D5C2E4D3A4B9EE97E4CFDD73167" ma:contentTypeVersion="14" ma:contentTypeDescription="Create a new document." ma:contentTypeScope="" ma:versionID="ba46a238f18218a59c8705a94e5b953d">
   <xsd:schema xmlns:xsd="http://www.w3.org/2001/XMLSchema" xmlns:xs="http://www.w3.org/2001/XMLSchema" xmlns:p="http://schemas.microsoft.com/office/2006/metadata/properties" xmlns:ns3="8bcd0183-ea54-4a4e-b44c-3c73e343144e" xmlns:ns4="454f0188-911f-41ba-8fe7-b4a6a374eb08" targetNamespace="http://schemas.microsoft.com/office/2006/metadata/properties" ma:root="true" ma:fieldsID="f8add529b0f4ab6db79a83a78896c1df" ns3:_="" ns4:_="">
     <xsd:import namespace="8bcd0183-ea54-4a4e-b44c-3c73e343144e"/>
@@ -19107,15 +19140,6 @@
 </ct:contentTypeSchema>
 </file>
 
-<file path=customXml/item2.xml><?xml version="1.0" encoding="utf-8"?>
-<?mso-contentType ?>
-<FormTemplates xmlns="http://schemas.microsoft.com/sharepoint/v3/contenttype/forms">
-  <Display>DocumentLibraryForm</Display>
-  <Edit>DocumentLibraryForm</Edit>
-  <New>DocumentLibraryForm</New>
-</FormTemplates>
-</file>
-
 <file path=customXml/item3.xml><?xml version="1.0" encoding="utf-8"?>
 <p:properties xmlns:p="http://schemas.microsoft.com/office/2006/metadata/properties" xmlns:xsi="http://www.w3.org/2001/XMLSchema-instance" xmlns:pc="http://schemas.microsoft.com/office/infopath/2007/PartnerControls">
   <documentManagement/>
@@ -19123,6 +19147,14 @@
 </file>
 
 <file path=customXml/itemProps1.xml><?xml version="1.0" encoding="utf-8"?>
+<ds:datastoreItem xmlns:ds="http://schemas.openxmlformats.org/officeDocument/2006/customXml" ds:itemID="{79647BC5-3832-457B-8DB4-EE81723671D4}">
+  <ds:schemaRefs>
+    <ds:schemaRef ds:uri="http://schemas.microsoft.com/sharepoint/v3/contenttype/forms"/>
+  </ds:schemaRefs>
+</ds:datastoreItem>
+</file>
+
+<file path=customXml/itemProps2.xml><?xml version="1.0" encoding="utf-8"?>
 <ds:datastoreItem xmlns:ds="http://schemas.openxmlformats.org/officeDocument/2006/customXml" ds:itemID="{E494C60D-917A-4DBE-97A1-B32965BD608C}">
   <ds:schemaRefs>
     <ds:schemaRef ds:uri="http://schemas.microsoft.com/office/2006/metadata/contentType"/>
@@ -19137,14 +19169,6 @@
     <ds:schemaRef ds:uri="http://purl.org/dc/elements/1.1/"/>
     <ds:schemaRef ds:uri="http://purl.org/dc/terms/"/>
     <ds:schemaRef ds:uri="http://schemas.microsoft.com/internal/obd"/>
-  </ds:schemaRefs>
-</ds:datastoreItem>
-</file>
-
-<file path=customXml/itemProps2.xml><?xml version="1.0" encoding="utf-8"?>
-<ds:datastoreItem xmlns:ds="http://schemas.openxmlformats.org/officeDocument/2006/customXml" ds:itemID="{79647BC5-3832-457B-8DB4-EE81723671D4}">
-  <ds:schemaRefs>
-    <ds:schemaRef ds:uri="http://schemas.microsoft.com/sharepoint/v3/contenttype/forms"/>
   </ds:schemaRefs>
 </ds:datastoreItem>
 </file>
